--- a/Organisatorisches/Ergebnisse.pptx
+++ b/Organisatorisches/Ergebnisse.pptx
@@ -110,6 +110,11 @@
       </a:defRPr>
     </a:lvl9pPr>
   </p:defaultTextStyle>
+  <p:extLst>
+    <p:ext uri="{EFAFB233-063F-42B5-8137-9DF3F51BA10A}">
+      <p15:sldGuideLst xmlns:p15="http://schemas.microsoft.com/office/powerpoint/2012/main"/>
+    </p:ext>
+  </p:extLst>
 </p:presentation>
 </file>
 
@@ -123,6 +128,50 @@
     </p:extLst>
   </p:cmAuthor>
 </p:cmAuthorLst>
+</file>
+
+<file path=ppt/changesInfos/changesInfo1.xml><?xml version="1.0" encoding="utf-8"?>
+<pc:chgInfo xmlns:a="http://schemas.openxmlformats.org/drawingml/2006/main" xmlns:r="http://schemas.openxmlformats.org/officeDocument/2006/relationships" xmlns:ac="http://schemas.microsoft.com/office/drawing/2013/main/command" xmlns:pc="http://schemas.microsoft.com/office/powerpoint/2013/main/command">
+  <pc:docChgLst>
+    <pc:chgData name="Lea Vanheyden" userId="0ebe8cb9b4dd81cf" providerId="LiveId" clId="{C6D5B1E0-1C32-4245-ADDF-167885A419D1}"/>
+    <pc:docChg chg="custSel modSld">
+      <pc:chgData name="Lea Vanheyden" userId="0ebe8cb9b4dd81cf" providerId="LiveId" clId="{C6D5B1E0-1C32-4245-ADDF-167885A419D1}" dt="2020-05-23T08:48:51.091" v="28" actId="478"/>
+      <pc:docMkLst>
+        <pc:docMk/>
+      </pc:docMkLst>
+      <pc:sldChg chg="modSp modNotesTx">
+        <pc:chgData name="Lea Vanheyden" userId="0ebe8cb9b4dd81cf" providerId="LiveId" clId="{C6D5B1E0-1C32-4245-ADDF-167885A419D1}" dt="2020-05-23T08:48:18.772" v="26" actId="20577"/>
+        <pc:sldMkLst>
+          <pc:docMk/>
+          <pc:sldMk cId="2907304932" sldId="257"/>
+        </pc:sldMkLst>
+        <pc:spChg chg="mod">
+          <ac:chgData name="Lea Vanheyden" userId="0ebe8cb9b4dd81cf" providerId="LiveId" clId="{C6D5B1E0-1C32-4245-ADDF-167885A419D1}" dt="2020-05-23T08:48:18.772" v="26" actId="20577"/>
+          <ac:spMkLst>
+            <pc:docMk/>
+            <pc:sldMk cId="2907304932" sldId="257"/>
+            <ac:spMk id="3" creationId="{041FA8FE-BF25-423B-B38C-6BE040788520}"/>
+          </ac:spMkLst>
+        </pc:spChg>
+      </pc:sldChg>
+      <pc:sldChg chg="delSp modSp">
+        <pc:chgData name="Lea Vanheyden" userId="0ebe8cb9b4dd81cf" providerId="LiveId" clId="{C6D5B1E0-1C32-4245-ADDF-167885A419D1}" dt="2020-05-23T08:48:51.091" v="28" actId="478"/>
+        <pc:sldMkLst>
+          <pc:docMk/>
+          <pc:sldMk cId="1382772029" sldId="258"/>
+        </pc:sldMkLst>
+        <pc:spChg chg="del mod">
+          <ac:chgData name="Lea Vanheyden" userId="0ebe8cb9b4dd81cf" providerId="LiveId" clId="{C6D5B1E0-1C32-4245-ADDF-167885A419D1}" dt="2020-05-23T08:48:51.091" v="28" actId="478"/>
+          <ac:spMkLst>
+            <pc:docMk/>
+            <pc:sldMk cId="1382772029" sldId="258"/>
+            <ac:spMk id="7" creationId="{4F3FF6A0-3173-46AC-BCB8-A5B95BD86D62}"/>
+          </ac:spMkLst>
+        </pc:spChg>
+      </pc:sldChg>
+    </pc:docChg>
+  </pc:docChgLst>
+</pc:chgInfo>
 </file>
 
 <file path=ppt/notesMasters/notesMaster1.xml><?xml version="1.0" encoding="utf-8"?>
@@ -207,7 +256,7 @@
           <a:p>
             <a:fld id="{B6B0BFF0-3351-40CF-B9BA-E9EA484A0485}" type="datetimeFigureOut">
               <a:rPr lang="de-DE" smtClean="0"/>
-              <a:t>07.05.2020</a:t>
+              <a:t>23.05.2020</a:t>
             </a:fld>
             <a:endParaRPr lang="de-DE"/>
           </a:p>
@@ -518,22 +567,6 @@
           <a:bodyPr/>
           <a:lstStyle/>
           <a:p>
-            <a:r>
-              <a:rPr lang="de-DE" dirty="0"/>
-              <a:t>Devianz = </a:t>
-            </a:r>
-            <a:r>
-              <a:rPr lang="de-DE" sz="1200" b="0" i="0" kern="1200" dirty="0">
-                <a:solidFill>
-                  <a:schemeClr val="tx1"/>
-                </a:solidFill>
-                <a:effectLst/>
-                <a:latin typeface="+mn-lt"/>
-                <a:ea typeface="+mn-ea"/>
-                <a:cs typeface="+mn-cs"/>
-              </a:rPr>
-              <a:t>wie stark die Anpassung eines gerade betrachteten Modells von dem Modell abweicht, das eine perfekte Anpassung an die Daten liefert </a:t>
-            </a:r>
             <a:endParaRPr lang="de-DE" dirty="0"/>
           </a:p>
         </p:txBody>
@@ -907,7 +940,7 @@
           <a:p>
             <a:fld id="{937E3778-9730-41FD-A74E-76AD28CD4250}" type="datetimeFigureOut">
               <a:rPr lang="de-DE" smtClean="0"/>
-              <a:t>07.05.2020</a:t>
+              <a:t>23.05.2020</a:t>
             </a:fld>
             <a:endParaRPr lang="de-DE"/>
           </a:p>
@@ -1105,7 +1138,7 @@
           <a:p>
             <a:fld id="{937E3778-9730-41FD-A74E-76AD28CD4250}" type="datetimeFigureOut">
               <a:rPr lang="de-DE" smtClean="0"/>
-              <a:t>07.05.2020</a:t>
+              <a:t>23.05.2020</a:t>
             </a:fld>
             <a:endParaRPr lang="de-DE"/>
           </a:p>
@@ -1313,7 +1346,7 @@
           <a:p>
             <a:fld id="{937E3778-9730-41FD-A74E-76AD28CD4250}" type="datetimeFigureOut">
               <a:rPr lang="de-DE" smtClean="0"/>
-              <a:t>07.05.2020</a:t>
+              <a:t>23.05.2020</a:t>
             </a:fld>
             <a:endParaRPr lang="de-DE"/>
           </a:p>
@@ -1511,7 +1544,7 @@
           <a:p>
             <a:fld id="{937E3778-9730-41FD-A74E-76AD28CD4250}" type="datetimeFigureOut">
               <a:rPr lang="de-DE" smtClean="0"/>
-              <a:t>07.05.2020</a:t>
+              <a:t>23.05.2020</a:t>
             </a:fld>
             <a:endParaRPr lang="de-DE"/>
           </a:p>
@@ -1786,7 +1819,7 @@
           <a:p>
             <a:fld id="{937E3778-9730-41FD-A74E-76AD28CD4250}" type="datetimeFigureOut">
               <a:rPr lang="de-DE" smtClean="0"/>
-              <a:t>07.05.2020</a:t>
+              <a:t>23.05.2020</a:t>
             </a:fld>
             <a:endParaRPr lang="de-DE"/>
           </a:p>
@@ -2051,7 +2084,7 @@
           <a:p>
             <a:fld id="{937E3778-9730-41FD-A74E-76AD28CD4250}" type="datetimeFigureOut">
               <a:rPr lang="de-DE" smtClean="0"/>
-              <a:t>07.05.2020</a:t>
+              <a:t>23.05.2020</a:t>
             </a:fld>
             <a:endParaRPr lang="de-DE"/>
           </a:p>
@@ -2463,7 +2496,7 @@
           <a:p>
             <a:fld id="{937E3778-9730-41FD-A74E-76AD28CD4250}" type="datetimeFigureOut">
               <a:rPr lang="de-DE" smtClean="0"/>
-              <a:t>07.05.2020</a:t>
+              <a:t>23.05.2020</a:t>
             </a:fld>
             <a:endParaRPr lang="de-DE"/>
           </a:p>
@@ -2604,7 +2637,7 @@
           <a:p>
             <a:fld id="{937E3778-9730-41FD-A74E-76AD28CD4250}" type="datetimeFigureOut">
               <a:rPr lang="de-DE" smtClean="0"/>
-              <a:t>07.05.2020</a:t>
+              <a:t>23.05.2020</a:t>
             </a:fld>
             <a:endParaRPr lang="de-DE"/>
           </a:p>
@@ -2717,7 +2750,7 @@
           <a:p>
             <a:fld id="{937E3778-9730-41FD-A74E-76AD28CD4250}" type="datetimeFigureOut">
               <a:rPr lang="de-DE" smtClean="0"/>
-              <a:t>07.05.2020</a:t>
+              <a:t>23.05.2020</a:t>
             </a:fld>
             <a:endParaRPr lang="de-DE"/>
           </a:p>
@@ -3028,7 +3061,7 @@
           <a:p>
             <a:fld id="{937E3778-9730-41FD-A74E-76AD28CD4250}" type="datetimeFigureOut">
               <a:rPr lang="de-DE" smtClean="0"/>
-              <a:t>07.05.2020</a:t>
+              <a:t>23.05.2020</a:t>
             </a:fld>
             <a:endParaRPr lang="de-DE"/>
           </a:p>
@@ -3316,7 +3349,7 @@
           <a:p>
             <a:fld id="{937E3778-9730-41FD-A74E-76AD28CD4250}" type="datetimeFigureOut">
               <a:rPr lang="de-DE" smtClean="0"/>
-              <a:t>07.05.2020</a:t>
+              <a:t>23.05.2020</a:t>
             </a:fld>
             <a:endParaRPr lang="de-DE"/>
           </a:p>
@@ -3557,7 +3590,7 @@
           <a:p>
             <a:fld id="{937E3778-9730-41FD-A74E-76AD28CD4250}" type="datetimeFigureOut">
               <a:rPr lang="de-DE" smtClean="0"/>
-              <a:t>07.05.2020</a:t>
+              <a:t>23.05.2020</a:t>
             </a:fld>
             <a:endParaRPr lang="de-DE"/>
           </a:p>
@@ -4153,7 +4186,7 @@
             <a:pPr lvl="1"/>
             <a:r>
               <a:rPr lang="de-DE" dirty="0"/>
-              <a:t>aber: Messungen nur einmal am Tag -&gt; niedrige Devianz</a:t>
+              <a:t>aber: viele Variablen nur einmal am Tag erhoben</a:t>
             </a:r>
           </a:p>
         </p:txBody>
@@ -4213,71 +4246,6 @@
               <a:rPr lang="de-DE" dirty="0"/>
               <a:t>Datumsmodell</a:t>
             </a:r>
-          </a:p>
-        </p:txBody>
-      </p:sp>
-      <p:sp>
-        <p:nvSpPr>
-          <p:cNvPr id="7" name="Inhaltsplatzhalter 6">
-            <a:extLst>
-              <a:ext uri="{FF2B5EF4-FFF2-40B4-BE49-F238E27FC236}">
-                <a16:creationId xmlns:a16="http://schemas.microsoft.com/office/drawing/2014/main" id="{4F3FF6A0-3173-46AC-BCB8-A5B95BD86D62}"/>
-              </a:ext>
-            </a:extLst>
-          </p:cNvPr>
-          <p:cNvSpPr>
-            <a:spLocks noGrp="1"/>
-          </p:cNvSpPr>
-          <p:nvPr>
-            <p:ph idx="1"/>
-          </p:nvPr>
-        </p:nvSpPr>
-        <p:spPr/>
-        <p:txBody>
-          <a:bodyPr/>
-          <a:lstStyle/>
-          <a:p>
-            <a:r>
-              <a:rPr lang="de-DE" dirty="0" err="1"/>
-              <a:t>plot</a:t>
-            </a:r>
-            <a:r>
-              <a:rPr lang="de-DE" dirty="0"/>
-              <a:t> Datumsmodell</a:t>
-            </a:r>
-          </a:p>
-          <a:p>
-            <a:r>
-              <a:rPr lang="de-DE" dirty="0"/>
-              <a:t>klar machen welche Signifikant sind</a:t>
-            </a:r>
-          </a:p>
-          <a:p>
-            <a:r>
-              <a:rPr lang="de-DE" dirty="0"/>
-              <a:t>außerdem </a:t>
-            </a:r>
-            <a:r>
-              <a:rPr lang="de-DE" dirty="0" err="1"/>
-              <a:t>intercept</a:t>
-            </a:r>
-            <a:r>
-              <a:rPr lang="de-DE" dirty="0"/>
-              <a:t> und </a:t>
-            </a:r>
-            <a:r>
-              <a:rPr lang="de-DE" dirty="0" err="1"/>
-              <a:t>deviance</a:t>
-            </a:r>
-            <a:r>
-              <a:rPr lang="de-DE" dirty="0"/>
-              <a:t> </a:t>
-            </a:r>
-            <a:r>
-              <a:rPr lang="de-DE" dirty="0" err="1"/>
-              <a:t>explained</a:t>
-            </a:r>
-            <a:endParaRPr lang="de-DE" dirty="0"/>
           </a:p>
         </p:txBody>
       </p:sp>

--- a/Organisatorisches/Ergebnisse.pptx
+++ b/Organisatorisches/Ergebnisse.pptx
@@ -5,13 +5,14 @@
     <p:sldMasterId id="2147483648" r:id="rId1"/>
   </p:sldMasterIdLst>
   <p:notesMasterIdLst>
-    <p:notesMasterId r:id="rId6"/>
+    <p:notesMasterId r:id="rId7"/>
   </p:notesMasterIdLst>
   <p:sldIdLst>
     <p:sldId id="256" r:id="rId2"/>
     <p:sldId id="257" r:id="rId3"/>
     <p:sldId id="258" r:id="rId4"/>
     <p:sldId id="259" r:id="rId5"/>
+    <p:sldId id="260" r:id="rId6"/>
   </p:sldIdLst>
   <p:sldSz cx="12192000" cy="6858000"/>
   <p:notesSz cx="6858000" cy="9144000"/>
@@ -130,6 +131,14 @@
 </p:cmAuthorLst>
 </file>
 
+<file path=ppt/revisionInfo.xml><?xml version="1.0" encoding="utf-8"?>
+<p1510:revInfo xmlns:a="http://schemas.openxmlformats.org/drawingml/2006/main" xmlns:r="http://schemas.openxmlformats.org/officeDocument/2006/relationships" xmlns:p1510="http://schemas.microsoft.com/office/powerpoint/2015/10/main">
+  <p1510:revLst>
+    <p1510:client id="{E232FA66-F074-463A-902D-AF1DD0B4769A}" v="6" dt="2020-05-23T13:18:16.668"/>
+  </p1510:revLst>
+</p1510:revInfo>
+</file>
+
 <file path=ppt/changesInfos/changesInfo1.xml><?xml version="1.0" encoding="utf-8"?>
 <pc:chgInfo xmlns:a="http://schemas.openxmlformats.org/drawingml/2006/main" xmlns:r="http://schemas.openxmlformats.org/officeDocument/2006/relationships" xmlns:ac="http://schemas.microsoft.com/office/drawing/2013/main/command" xmlns:pc="http://schemas.microsoft.com/office/powerpoint/2013/main/command">
   <pc:docChgLst>
@@ -168,6 +177,124 @@
             <ac:spMk id="7" creationId="{4F3FF6A0-3173-46AC-BCB8-A5B95BD86D62}"/>
           </ac:spMkLst>
         </pc:spChg>
+      </pc:sldChg>
+    </pc:docChg>
+  </pc:docChgLst>
+  <pc:docChgLst>
+    <pc:chgData name="Lea Vanheyden" userId="0ebe8cb9b4dd81cf" providerId="LiveId" clId="{E232FA66-F074-463A-902D-AF1DD0B4769A}"/>
+    <pc:docChg chg="custSel addSld modSld">
+      <pc:chgData name="Lea Vanheyden" userId="0ebe8cb9b4dd81cf" providerId="LiveId" clId="{E232FA66-F074-463A-902D-AF1DD0B4769A}" dt="2020-05-23T13:18:16.668" v="92"/>
+      <pc:docMkLst>
+        <pc:docMk/>
+      </pc:docMkLst>
+      <pc:sldChg chg="addSp modSp modNotesTx">
+        <pc:chgData name="Lea Vanheyden" userId="0ebe8cb9b4dd81cf" providerId="LiveId" clId="{E232FA66-F074-463A-902D-AF1DD0B4769A}" dt="2020-05-23T13:13:35.111" v="68" actId="20577"/>
+        <pc:sldMkLst>
+          <pc:docMk/>
+          <pc:sldMk cId="1382772029" sldId="258"/>
+        </pc:sldMkLst>
+        <pc:spChg chg="mod">
+          <ac:chgData name="Lea Vanheyden" userId="0ebe8cb9b4dd81cf" providerId="LiveId" clId="{E232FA66-F074-463A-902D-AF1DD0B4769A}" dt="2020-05-23T13:12:25.537" v="13" actId="1076"/>
+          <ac:spMkLst>
+            <pc:docMk/>
+            <pc:sldMk cId="1382772029" sldId="258"/>
+            <ac:spMk id="2" creationId="{860C7757-2A1B-4DE6-9C14-9361BE6EDCDB}"/>
+          </ac:spMkLst>
+        </pc:spChg>
+        <pc:spChg chg="add mod">
+          <ac:chgData name="Lea Vanheyden" userId="0ebe8cb9b4dd81cf" providerId="LiveId" clId="{E232FA66-F074-463A-902D-AF1DD0B4769A}" dt="2020-05-23T13:13:35.111" v="68" actId="20577"/>
+          <ac:spMkLst>
+            <pc:docMk/>
+            <pc:sldMk cId="1382772029" sldId="258"/>
+            <ac:spMk id="5" creationId="{2F6D777C-E14E-40F7-8803-CBA176392749}"/>
+          </ac:spMkLst>
+        </pc:spChg>
+        <pc:picChg chg="add mod">
+          <ac:chgData name="Lea Vanheyden" userId="0ebe8cb9b4dd81cf" providerId="LiveId" clId="{E232FA66-F074-463A-902D-AF1DD0B4769A}" dt="2020-05-23T13:12:29.989" v="15" actId="14100"/>
+          <ac:picMkLst>
+            <pc:docMk/>
+            <pc:sldMk cId="1382772029" sldId="258"/>
+            <ac:picMk id="4" creationId="{A2501E3C-4651-4B11-A96C-612C731A0C09}"/>
+          </ac:picMkLst>
+        </pc:picChg>
+      </pc:sldChg>
+      <pc:sldChg chg="addSp delSp modSp">
+        <pc:chgData name="Lea Vanheyden" userId="0ebe8cb9b4dd81cf" providerId="LiveId" clId="{E232FA66-F074-463A-902D-AF1DD0B4769A}" dt="2020-05-23T13:14:23.187" v="90" actId="20577"/>
+        <pc:sldMkLst>
+          <pc:docMk/>
+          <pc:sldMk cId="1138689795" sldId="259"/>
+        </pc:sldMkLst>
+        <pc:spChg chg="del">
+          <ac:chgData name="Lea Vanheyden" userId="0ebe8cb9b4dd81cf" providerId="LiveId" clId="{E232FA66-F074-463A-902D-AF1DD0B4769A}" dt="2020-05-23T13:11:50.206" v="6" actId="478"/>
+          <ac:spMkLst>
+            <pc:docMk/>
+            <pc:sldMk cId="1138689795" sldId="259"/>
+            <ac:spMk id="2" creationId="{9589E89B-4B53-4706-94BA-DC24067CC50E}"/>
+          </ac:spMkLst>
+        </pc:spChg>
+        <pc:spChg chg="del">
+          <ac:chgData name="Lea Vanheyden" userId="0ebe8cb9b4dd81cf" providerId="LiveId" clId="{E232FA66-F074-463A-902D-AF1DD0B4769A}" dt="2020-05-23T13:10:05.848" v="0" actId="478"/>
+          <ac:spMkLst>
+            <pc:docMk/>
+            <pc:sldMk cId="1138689795" sldId="259"/>
+            <ac:spMk id="3" creationId="{F268BF78-A530-410C-866E-6FE7276E33C0}"/>
+          </ac:spMkLst>
+        </pc:spChg>
+        <pc:spChg chg="add del mod">
+          <ac:chgData name="Lea Vanheyden" userId="0ebe8cb9b4dd81cf" providerId="LiveId" clId="{E232FA66-F074-463A-902D-AF1DD0B4769A}" dt="2020-05-23T13:10:09.254" v="1" actId="478"/>
+          <ac:spMkLst>
+            <pc:docMk/>
+            <pc:sldMk cId="1138689795" sldId="259"/>
+            <ac:spMk id="5" creationId="{DB5CC11A-AD0D-49B8-A767-7425BD0CB9CB}"/>
+          </ac:spMkLst>
+        </pc:spChg>
+        <pc:spChg chg="add del mod">
+          <ac:chgData name="Lea Vanheyden" userId="0ebe8cb9b4dd81cf" providerId="LiveId" clId="{E232FA66-F074-463A-902D-AF1DD0B4769A}" dt="2020-05-23T13:11:54.537" v="7" actId="478"/>
+          <ac:spMkLst>
+            <pc:docMk/>
+            <pc:sldMk cId="1138689795" sldId="259"/>
+            <ac:spMk id="7" creationId="{8EE1F5CE-56F0-4076-BEE4-2B8A8DC573DA}"/>
+          </ac:spMkLst>
+        </pc:spChg>
+        <pc:spChg chg="add mod">
+          <ac:chgData name="Lea Vanheyden" userId="0ebe8cb9b4dd81cf" providerId="LiveId" clId="{E232FA66-F074-463A-902D-AF1DD0B4769A}" dt="2020-05-23T13:13:59.703" v="80" actId="20577"/>
+          <ac:spMkLst>
+            <pc:docMk/>
+            <pc:sldMk cId="1138689795" sldId="259"/>
+            <ac:spMk id="10" creationId="{9D8FA466-4C9C-42E2-AD9E-0C31C842F5FD}"/>
+          </ac:spMkLst>
+        </pc:spChg>
+        <pc:spChg chg="add mod">
+          <ac:chgData name="Lea Vanheyden" userId="0ebe8cb9b4dd81cf" providerId="LiveId" clId="{E232FA66-F074-463A-902D-AF1DD0B4769A}" dt="2020-05-23T13:14:23.187" v="90" actId="20577"/>
+          <ac:spMkLst>
+            <pc:docMk/>
+            <pc:sldMk cId="1138689795" sldId="259"/>
+            <ac:spMk id="11" creationId="{0A92F26D-A1BB-478C-B0F9-8767499E3A02}"/>
+          </ac:spMkLst>
+        </pc:spChg>
+        <pc:picChg chg="add mod">
+          <ac:chgData name="Lea Vanheyden" userId="0ebe8cb9b4dd81cf" providerId="LiveId" clId="{E232FA66-F074-463A-902D-AF1DD0B4769A}" dt="2020-05-23T13:13:39.942" v="69" actId="1076"/>
+          <ac:picMkLst>
+            <pc:docMk/>
+            <pc:sldMk cId="1138689795" sldId="259"/>
+            <ac:picMk id="9" creationId="{B289FDA7-F1E2-4322-98D5-818AA0B3A94E}"/>
+          </ac:picMkLst>
+        </pc:picChg>
+      </pc:sldChg>
+      <pc:sldChg chg="addSp add">
+        <pc:chgData name="Lea Vanheyden" userId="0ebe8cb9b4dd81cf" providerId="LiveId" clId="{E232FA66-F074-463A-902D-AF1DD0B4769A}" dt="2020-05-23T13:18:16.668" v="92"/>
+        <pc:sldMkLst>
+          <pc:docMk/>
+          <pc:sldMk cId="2496561900" sldId="260"/>
+        </pc:sldMkLst>
+        <pc:picChg chg="add">
+          <ac:chgData name="Lea Vanheyden" userId="0ebe8cb9b4dd81cf" providerId="LiveId" clId="{E232FA66-F074-463A-902D-AF1DD0B4769A}" dt="2020-05-23T13:18:16.668" v="92"/>
+          <ac:picMkLst>
+            <pc:docMk/>
+            <pc:sldMk cId="2496561900" sldId="260"/>
+            <ac:picMk id="2" creationId="{27F6E12B-7411-4C49-8D8B-8D6FE9866714}"/>
+          </ac:picMkLst>
+        </pc:picChg>
       </pc:sldChg>
     </pc:docChg>
   </pc:docChgLst>
@@ -651,24 +778,6 @@
           <a:bodyPr/>
           <a:lstStyle/>
           <a:p>
-            <a:r>
-              <a:rPr lang="de-DE" dirty="0"/>
-              <a:t>Reine Koeffizienten:</a:t>
-            </a:r>
-          </a:p>
-          <a:p>
-            <a:r>
-              <a:rPr lang="de-DE" dirty="0" err="1"/>
-              <a:t>Intercept</a:t>
-            </a:r>
-            <a:r>
-              <a:rPr lang="de-DE" dirty="0"/>
-              <a:t> ist die Wahrscheinlichkeit für nicht </a:t>
-            </a:r>
-            <a:r>
-              <a:rPr lang="de-DE" dirty="0" err="1"/>
-              <a:t>holiday</a:t>
-            </a:r>
             <a:endParaRPr lang="de-DE" dirty="0"/>
           </a:p>
         </p:txBody>
@@ -4237,7 +4346,12 @@
             <p:ph type="title"/>
           </p:nvPr>
         </p:nvSpPr>
-        <p:spPr/>
+        <p:spPr>
+          <a:xfrm>
+            <a:off x="86360" y="-9525"/>
+            <a:ext cx="10515600" cy="1325563"/>
+          </a:xfrm>
+        </p:spPr>
         <p:txBody>
           <a:bodyPr/>
           <a:lstStyle/>
@@ -4245,6 +4359,98 @@
             <a:r>
               <a:rPr lang="de-DE" dirty="0"/>
               <a:t>Datumsmodell</a:t>
+            </a:r>
+          </a:p>
+        </p:txBody>
+      </p:sp>
+      <p:pic>
+        <p:nvPicPr>
+          <p:cNvPr id="4" name="Grafik 3" descr="Ein Bild, das Text, Karte enthält.&#10;&#10;Automatisch generierte Beschreibung">
+            <a:extLst>
+              <a:ext uri="{FF2B5EF4-FFF2-40B4-BE49-F238E27FC236}">
+                <a16:creationId xmlns:a16="http://schemas.microsoft.com/office/drawing/2014/main" id="{A2501E3C-4651-4B11-A96C-612C731A0C09}"/>
+              </a:ext>
+            </a:extLst>
+          </p:cNvPr>
+          <p:cNvPicPr>
+            <a:picLocks noChangeAspect="1"/>
+          </p:cNvPicPr>
+          <p:nvPr/>
+        </p:nvPicPr>
+        <p:blipFill>
+          <a:blip r:embed="rId3">
+            <a:extLst>
+              <a:ext uri="{28A0092B-C50C-407E-A947-70E740481C1C}">
+                <a14:useLocalDpi xmlns:a14="http://schemas.microsoft.com/office/drawing/2010/main" val="0"/>
+              </a:ext>
+            </a:extLst>
+          </a:blip>
+          <a:stretch>
+            <a:fillRect/>
+          </a:stretch>
+        </p:blipFill>
+        <p:spPr>
+          <a:xfrm>
+            <a:off x="86360" y="990918"/>
+            <a:ext cx="9474200" cy="4862929"/>
+          </a:xfrm>
+          <a:prstGeom prst="rect">
+            <a:avLst/>
+          </a:prstGeom>
+        </p:spPr>
+      </p:pic>
+      <p:sp>
+        <p:nvSpPr>
+          <p:cNvPr id="5" name="Textfeld 4">
+            <a:extLst>
+              <a:ext uri="{FF2B5EF4-FFF2-40B4-BE49-F238E27FC236}">
+                <a16:creationId xmlns:a16="http://schemas.microsoft.com/office/drawing/2014/main" id="{2F6D777C-E14E-40F7-8803-CBA176392749}"/>
+              </a:ext>
+            </a:extLst>
+          </p:cNvPr>
+          <p:cNvSpPr txBox="1"/>
+          <p:nvPr/>
+        </p:nvSpPr>
+        <p:spPr>
+          <a:xfrm>
+            <a:off x="9560560" y="914400"/>
+            <a:ext cx="2235200" cy="1477328"/>
+          </a:xfrm>
+          <a:prstGeom prst="rect">
+            <a:avLst/>
+          </a:prstGeom>
+          <a:noFill/>
+        </p:spPr>
+        <p:txBody>
+          <a:bodyPr wrap="square" rtlCol="0">
+            <a:spAutoFit/>
+          </a:bodyPr>
+          <a:lstStyle/>
+          <a:p>
+            <a:r>
+              <a:rPr lang="de-DE" dirty="0"/>
+              <a:t>Kein Feiertag:</a:t>
+            </a:r>
+          </a:p>
+          <a:p>
+            <a:r>
+              <a:rPr lang="de-DE" dirty="0"/>
+              <a:t>0.208</a:t>
+            </a:r>
+          </a:p>
+          <a:p>
+            <a:endParaRPr lang="de-DE" dirty="0"/>
+          </a:p>
+          <a:p>
+            <a:r>
+              <a:rPr lang="de-DE" dirty="0"/>
+              <a:t>Feiertag:</a:t>
+            </a:r>
+          </a:p>
+          <a:p>
+            <a:r>
+              <a:rPr lang="de-DE" dirty="0"/>
+              <a:t>0.225</a:t>
             </a:r>
           </a:p>
         </p:txBody>
@@ -4279,12 +4485,48 @@
           <a:chExt cx="0" cy="0"/>
         </a:xfrm>
       </p:grpSpPr>
-      <p:sp>
-        <p:nvSpPr>
-          <p:cNvPr id="2" name="Titel 1">
-            <a:extLst>
-              <a:ext uri="{FF2B5EF4-FFF2-40B4-BE49-F238E27FC236}">
-                <a16:creationId xmlns:a16="http://schemas.microsoft.com/office/drawing/2014/main" id="{9589E89B-4B53-4706-94BA-DC24067CC50E}"/>
+      <p:pic>
+        <p:nvPicPr>
+          <p:cNvPr id="9" name="Grafik 8" descr="Ein Bild, das Karte, Text enthält.&#10;&#10;Automatisch generierte Beschreibung">
+            <a:extLst>
+              <a:ext uri="{FF2B5EF4-FFF2-40B4-BE49-F238E27FC236}">
+                <a16:creationId xmlns:a16="http://schemas.microsoft.com/office/drawing/2014/main" id="{B289FDA7-F1E2-4322-98D5-818AA0B3A94E}"/>
+              </a:ext>
+            </a:extLst>
+          </p:cNvPr>
+          <p:cNvPicPr>
+            <a:picLocks noChangeAspect="1"/>
+          </p:cNvPicPr>
+          <p:nvPr/>
+        </p:nvPicPr>
+        <p:blipFill>
+          <a:blip r:embed="rId3">
+            <a:extLst>
+              <a:ext uri="{28A0092B-C50C-407E-A947-70E740481C1C}">
+                <a14:useLocalDpi xmlns:a14="http://schemas.microsoft.com/office/drawing/2010/main" val="0"/>
+              </a:ext>
+            </a:extLst>
+          </a:blip>
+          <a:stretch>
+            <a:fillRect/>
+          </a:stretch>
+        </p:blipFill>
+        <p:spPr>
+          <a:xfrm>
+            <a:off x="161922" y="1070906"/>
+            <a:ext cx="9145276" cy="4858428"/>
+          </a:xfrm>
+          <a:prstGeom prst="rect">
+            <a:avLst/>
+          </a:prstGeom>
+        </p:spPr>
+      </p:pic>
+      <p:sp>
+        <p:nvSpPr>
+          <p:cNvPr id="10" name="Titel 1">
+            <a:extLst>
+              <a:ext uri="{FF2B5EF4-FFF2-40B4-BE49-F238E27FC236}">
+                <a16:creationId xmlns:a16="http://schemas.microsoft.com/office/drawing/2014/main" id="{9D8FA466-4C9C-42E2-AD9E-0C31C842F5FD}"/>
               </a:ext>
             </a:extLst>
           </p:cNvPr>
@@ -4295,7 +4537,12 @@
             <p:ph type="title"/>
           </p:nvPr>
         </p:nvSpPr>
-        <p:spPr/>
+        <p:spPr>
+          <a:xfrm>
+            <a:off x="86360" y="-9525"/>
+            <a:ext cx="10515600" cy="1325563"/>
+          </a:xfrm>
+        </p:spPr>
         <p:txBody>
           <a:bodyPr/>
           <a:lstStyle/>
@@ -4309,69 +4556,57 @@
       </p:sp>
       <p:sp>
         <p:nvSpPr>
-          <p:cNvPr id="3" name="Inhaltsplatzhalter 2">
-            <a:extLst>
-              <a:ext uri="{FF2B5EF4-FFF2-40B4-BE49-F238E27FC236}">
-                <a16:creationId xmlns:a16="http://schemas.microsoft.com/office/drawing/2014/main" id="{F268BF78-A530-410C-866E-6FE7276E33C0}"/>
-              </a:ext>
-            </a:extLst>
-          </p:cNvPr>
-          <p:cNvSpPr>
-            <a:spLocks noGrp="1"/>
-          </p:cNvSpPr>
-          <p:nvPr>
-            <p:ph idx="1"/>
-          </p:nvPr>
-        </p:nvSpPr>
-        <p:spPr/>
-        <p:txBody>
-          <a:bodyPr/>
-          <a:lstStyle/>
-          <a:p>
-            <a:r>
-              <a:rPr lang="de-DE" dirty="0" err="1"/>
-              <a:t>plots</a:t>
-            </a:r>
+          <p:cNvPr id="11" name="Textfeld 10">
+            <a:extLst>
+              <a:ext uri="{FF2B5EF4-FFF2-40B4-BE49-F238E27FC236}">
+                <a16:creationId xmlns:a16="http://schemas.microsoft.com/office/drawing/2014/main" id="{0A92F26D-A1BB-478C-B0F9-8767499E3A02}"/>
+              </a:ext>
+            </a:extLst>
+          </p:cNvPr>
+          <p:cNvSpPr txBox="1"/>
+          <p:nvPr/>
+        </p:nvSpPr>
+        <p:spPr>
+          <a:xfrm>
+            <a:off x="9560560" y="914400"/>
+            <a:ext cx="2235200" cy="1477328"/>
+          </a:xfrm>
+          <a:prstGeom prst="rect">
+            <a:avLst/>
+          </a:prstGeom>
+          <a:noFill/>
+        </p:spPr>
+        <p:txBody>
+          <a:bodyPr wrap="square" rtlCol="0">
+            <a:spAutoFit/>
+          </a:bodyPr>
+          <a:lstStyle/>
+          <a:p>
             <a:r>
               <a:rPr lang="de-DE" dirty="0"/>
-              <a:t> Zeitmodell</a:t>
+              <a:t>Kein Feiertag:</a:t>
             </a:r>
           </a:p>
           <a:p>
             <a:r>
               <a:rPr lang="de-DE" dirty="0"/>
-              <a:t>klar machen welche Signifikant sind</a:t>
-            </a:r>
+              <a:t>0.198</a:t>
+            </a:r>
+          </a:p>
+          <a:p>
+            <a:endParaRPr lang="de-DE" dirty="0"/>
           </a:p>
           <a:p>
             <a:r>
               <a:rPr lang="de-DE" dirty="0"/>
-              <a:t>außerdem </a:t>
-            </a:r>
-            <a:r>
-              <a:rPr lang="de-DE" dirty="0" err="1"/>
-              <a:t>intercept</a:t>
-            </a:r>
+              <a:t>Feiertag:</a:t>
+            </a:r>
+          </a:p>
+          <a:p>
             <a:r>
               <a:rPr lang="de-DE" dirty="0"/>
-              <a:t> und </a:t>
-            </a:r>
-            <a:r>
-              <a:rPr lang="de-DE" dirty="0" err="1"/>
-              <a:t>deviance</a:t>
-            </a:r>
-            <a:r>
-              <a:rPr lang="de-DE" dirty="0"/>
-              <a:t> </a:t>
-            </a:r>
-            <a:r>
-              <a:rPr lang="de-DE" dirty="0" err="1"/>
-              <a:t>explained</a:t>
-            </a:r>
-            <a:endParaRPr lang="de-DE" dirty="0"/>
-          </a:p>
-          <a:p>
-            <a:endParaRPr lang="de-DE" dirty="0"/>
+              <a:t>0.232</a:t>
+            </a:r>
           </a:p>
         </p:txBody>
       </p:sp>
@@ -4379,6 +4614,66 @@
     <p:extLst>
       <p:ext uri="{BB962C8B-B14F-4D97-AF65-F5344CB8AC3E}">
         <p14:creationId xmlns:p14="http://schemas.microsoft.com/office/powerpoint/2010/main" val="1138689795"/>
+      </p:ext>
+    </p:extLst>
+  </p:cSld>
+  <p:clrMapOvr>
+    <a:masterClrMapping/>
+  </p:clrMapOvr>
+</p:sld>
+</file>
+
+<file path=ppt/slides/slide5.xml><?xml version="1.0" encoding="utf-8"?>
+<p:sld xmlns:a="http://schemas.openxmlformats.org/drawingml/2006/main" xmlns:r="http://schemas.openxmlformats.org/officeDocument/2006/relationships" xmlns:p="http://schemas.openxmlformats.org/presentationml/2006/main">
+  <p:cSld>
+    <p:spTree>
+      <p:nvGrpSpPr>
+        <p:cNvPr id="1" name=""/>
+        <p:cNvGrpSpPr/>
+        <p:nvPr/>
+      </p:nvGrpSpPr>
+      <p:grpSpPr>
+        <a:xfrm>
+          <a:off x="0" y="0"/>
+          <a:ext cx="0" cy="0"/>
+          <a:chOff x="0" y="0"/>
+          <a:chExt cx="0" cy="0"/>
+        </a:xfrm>
+      </p:grpSpPr>
+      <p:pic>
+        <p:nvPicPr>
+          <p:cNvPr id="2" name="Grafik 1">
+            <a:extLst>
+              <a:ext uri="{FF2B5EF4-FFF2-40B4-BE49-F238E27FC236}">
+                <a16:creationId xmlns:a16="http://schemas.microsoft.com/office/drawing/2014/main" id="{27F6E12B-7411-4C49-8D8B-8D6FE9866714}"/>
+              </a:ext>
+            </a:extLst>
+          </p:cNvPr>
+          <p:cNvPicPr>
+            <a:picLocks noChangeAspect="1"/>
+          </p:cNvPicPr>
+          <p:nvPr/>
+        </p:nvPicPr>
+        <p:blipFill>
+          <a:blip r:embed="rId2"/>
+          <a:stretch>
+            <a:fillRect/>
+          </a:stretch>
+        </p:blipFill>
+        <p:spPr>
+          <a:xfrm>
+            <a:off x="0" y="159436"/>
+            <a:ext cx="12192000" cy="6539128"/>
+          </a:xfrm>
+          <a:prstGeom prst="rect">
+            <a:avLst/>
+          </a:prstGeom>
+        </p:spPr>
+      </p:pic>
+    </p:spTree>
+    <p:extLst>
+      <p:ext uri="{BB962C8B-B14F-4D97-AF65-F5344CB8AC3E}">
+        <p14:creationId xmlns:p14="http://schemas.microsoft.com/office/powerpoint/2010/main" val="2496561900"/>
       </p:ext>
     </p:extLst>
   </p:cSld>
